--- a/poodle_project/Documents/img/Bilder-Projekt.pptx
+++ b/poodle_project/Documents/img/Bilder-Projekt.pptx
@@ -107,6 +107,11 @@
       </a:defRPr>
     </a:lvl9pPr>
   </p:defaultTextStyle>
+  <p:extLst>
+    <p:ext uri="{EFAFB233-063F-42B5-8137-9DF3F51BA10A}">
+      <p15:sldGuideLst xmlns:p15="http://schemas.microsoft.com/office/powerpoint/2012/main"/>
+    </p:ext>
+  </p:extLst>
 </p:presentation>
 </file>
 
@@ -3769,21 +3774,19 @@
             <a:prstGeom prst="roundRect">
               <a:avLst/>
             </a:prstGeom>
-            <a:ln>
-              <a:noFill/>
-            </a:ln>
+            <a:ln/>
           </p:spPr>
           <p:style>
             <a:lnRef idx="2">
-              <a:schemeClr val="accent4">
+              <a:schemeClr val="accent2">
                 <a:shade val="50000"/>
               </a:schemeClr>
             </a:lnRef>
             <a:fillRef idx="1">
-              <a:schemeClr val="accent4"/>
+              <a:schemeClr val="accent2"/>
             </a:fillRef>
             <a:effectRef idx="0">
-              <a:schemeClr val="accent4"/>
+              <a:schemeClr val="accent2"/>
             </a:effectRef>
             <a:fontRef idx="minor">
               <a:schemeClr val="lt1"/>
